--- a/人工智慧與資訊安全期中平時報告_Matplotlib資料視覺化技術.pptx
+++ b/人工智慧與資訊安全期中平時報告_Matplotlib資料視覺化技術.pptx
@@ -24,25 +24,28 @@
     <p:sldId id="353" r:id="rId18"/>
     <p:sldId id="354" r:id="rId19"/>
     <p:sldId id="358" r:id="rId20"/>
-    <p:sldId id="365" r:id="rId21"/>
-    <p:sldId id="366" r:id="rId22"/>
-    <p:sldId id="367" r:id="rId23"/>
-    <p:sldId id="339" r:id="rId24"/>
-    <p:sldId id="340" r:id="rId25"/>
-    <p:sldId id="341" r:id="rId26"/>
-    <p:sldId id="342" r:id="rId27"/>
-    <p:sldId id="346" r:id="rId28"/>
-    <p:sldId id="345" r:id="rId29"/>
-    <p:sldId id="344" r:id="rId30"/>
-    <p:sldId id="343" r:id="rId31"/>
-    <p:sldId id="323" r:id="rId32"/>
-    <p:sldId id="272" r:id="rId33"/>
-    <p:sldId id="273" r:id="rId34"/>
-    <p:sldId id="335" r:id="rId35"/>
-    <p:sldId id="277" r:id="rId36"/>
-    <p:sldId id="276" r:id="rId37"/>
-    <p:sldId id="336" r:id="rId38"/>
-    <p:sldId id="368" r:id="rId39"/>
+    <p:sldId id="369" r:id="rId21"/>
+    <p:sldId id="370" r:id="rId22"/>
+    <p:sldId id="371" r:id="rId23"/>
+    <p:sldId id="365" r:id="rId24"/>
+    <p:sldId id="366" r:id="rId25"/>
+    <p:sldId id="367" r:id="rId26"/>
+    <p:sldId id="339" r:id="rId27"/>
+    <p:sldId id="340" r:id="rId28"/>
+    <p:sldId id="341" r:id="rId29"/>
+    <p:sldId id="342" r:id="rId30"/>
+    <p:sldId id="346" r:id="rId31"/>
+    <p:sldId id="345" r:id="rId32"/>
+    <p:sldId id="344" r:id="rId33"/>
+    <p:sldId id="343" r:id="rId34"/>
+    <p:sldId id="323" r:id="rId35"/>
+    <p:sldId id="272" r:id="rId36"/>
+    <p:sldId id="273" r:id="rId37"/>
+    <p:sldId id="335" r:id="rId38"/>
+    <p:sldId id="277" r:id="rId39"/>
+    <p:sldId id="276" r:id="rId40"/>
+    <p:sldId id="336" r:id="rId41"/>
+    <p:sldId id="368" r:id="rId42"/>
   </p:sldIdLst>
   <p:sldSz cx="9144000" cy="6858000" type="screen4x3"/>
   <p:notesSz cx="6858000" cy="9144000"/>
@@ -169,6 +172,9 @@
             <p14:sldId id="353"/>
             <p14:sldId id="354"/>
             <p14:sldId id="358"/>
+            <p14:sldId id="369"/>
+            <p14:sldId id="370"/>
+            <p14:sldId id="371"/>
             <p14:sldId id="365"/>
             <p14:sldId id="366"/>
             <p14:sldId id="367"/>
@@ -7244,6 +7250,904 @@
         <p:spPr>
           <a:xfrm>
             <a:off x="552762" y="1825625"/>
+            <a:ext cx="8263801" cy="2862322"/>
+          </a:xfrm>
+          <a:prstGeom prst="rect">
+            <a:avLst/>
+          </a:prstGeom>
+        </p:spPr>
+        <p:txBody>
+          <a:bodyPr wrap="none">
+            <a:spAutoFit/>
+          </a:bodyPr>
+          <a:lstStyle/>
+          <a:p>
+            <a:r>
+              <a:rPr lang="en-US" altLang="zh-TW" sz="6000" b="1" dirty="0" smtClean="0">
+                <a:solidFill>
+                  <a:srgbClr val="FFFF00"/>
+                </a:solidFill>
+                <a:effectLst>
+                  <a:outerShdw blurRad="38100" dist="38100" dir="2700000" algn="tl">
+                    <a:srgbClr val="000000">
+                      <a:alpha val="43137"/>
+                    </a:srgbClr>
+                  </a:outerShdw>
+                </a:effectLst>
+              </a:rPr>
+              <a:t>Data Visualization</a:t>
+            </a:r>
+            <a:br>
+              <a:rPr lang="en-US" altLang="zh-TW" sz="6000" b="1" dirty="0" smtClean="0">
+                <a:solidFill>
+                  <a:srgbClr val="FFFF00"/>
+                </a:solidFill>
+                <a:effectLst>
+                  <a:outerShdw blurRad="38100" dist="38100" dir="2700000" algn="tl">
+                    <a:srgbClr val="000000">
+                      <a:alpha val="43137"/>
+                    </a:srgbClr>
+                  </a:outerShdw>
+                </a:effectLst>
+              </a:rPr>
+            </a:br>
+            <a:r>
+              <a:rPr lang="zh-TW" altLang="en-US" sz="6000" b="1" dirty="0" smtClean="0">
+                <a:solidFill>
+                  <a:srgbClr val="FFFF00"/>
+                </a:solidFill>
+                <a:effectLst>
+                  <a:outerShdw blurRad="38100" dist="38100" dir="2700000" algn="tl">
+                    <a:srgbClr val="000000">
+                      <a:alpha val="43137"/>
+                    </a:srgbClr>
+                  </a:outerShdw>
+                </a:effectLst>
+              </a:rPr>
+              <a:t>資料視覺化</a:t>
+            </a:r>
+            <a:r>
+              <a:rPr lang="ja-JP" altLang="en-US" sz="6000" b="1" dirty="0" smtClean="0">
+                <a:solidFill>
+                  <a:srgbClr val="FFFF00"/>
+                </a:solidFill>
+                <a:effectLst>
+                  <a:outerShdw blurRad="38100" dist="38100" dir="2700000" algn="tl">
+                    <a:srgbClr val="000000">
+                      <a:alpha val="43137"/>
+                    </a:srgbClr>
+                  </a:outerShdw>
+                </a:effectLst>
+                <a:latin typeface="標楷體" panose="03000509000000000000" pitchFamily="65" charset="-120"/>
+                <a:ea typeface="標楷體" panose="03000509000000000000" pitchFamily="65" charset="-120"/>
+              </a:rPr>
+              <a:t>の</a:t>
+            </a:r>
+            <a:r>
+              <a:rPr lang="zh-TW" altLang="en-US" sz="6000" b="1" dirty="0" smtClean="0">
+                <a:solidFill>
+                  <a:srgbClr val="FFFF00"/>
+                </a:solidFill>
+                <a:effectLst>
+                  <a:outerShdw blurRad="38100" dist="38100" dir="2700000" algn="tl">
+                    <a:srgbClr val="000000">
+                      <a:alpha val="43137"/>
+                    </a:srgbClr>
+                  </a:outerShdw>
+                </a:effectLst>
+                <a:latin typeface="標楷體" panose="03000509000000000000" pitchFamily="65" charset="-120"/>
+                <a:ea typeface="標楷體" panose="03000509000000000000" pitchFamily="65" charset="-120"/>
+              </a:rPr>
+              <a:t>實戰</a:t>
+            </a:r>
+            <a:r>
+              <a:rPr lang="zh-TW" altLang="en-US" sz="6000" b="1" dirty="0" smtClean="0">
+                <a:solidFill>
+                  <a:srgbClr val="FFFF00"/>
+                </a:solidFill>
+                <a:effectLst>
+                  <a:outerShdw blurRad="38100" dist="38100" dir="2700000" algn="tl">
+                    <a:srgbClr val="000000">
+                      <a:alpha val="43137"/>
+                    </a:srgbClr>
+                  </a:outerShdw>
+                </a:effectLst>
+                <a:latin typeface="標楷體" panose="03000509000000000000" pitchFamily="65" charset="-120"/>
+                <a:ea typeface="標楷體" panose="03000509000000000000" pitchFamily="65" charset="-120"/>
+              </a:rPr>
+              <a:t>練習</a:t>
+            </a:r>
+            <a:r>
+              <a:rPr lang="en-US" altLang="zh-TW" sz="6000" b="1" dirty="0">
+                <a:solidFill>
+                  <a:srgbClr val="FFFF00"/>
+                </a:solidFill>
+                <a:effectLst>
+                  <a:outerShdw blurRad="38100" dist="38100" dir="2700000" algn="tl">
+                    <a:srgbClr val="000000">
+                      <a:alpha val="43137"/>
+                    </a:srgbClr>
+                  </a:outerShdw>
+                </a:effectLst>
+                <a:latin typeface="標楷體" panose="03000509000000000000" pitchFamily="65" charset="-120"/>
+                <a:ea typeface="標楷體" panose="03000509000000000000" pitchFamily="65" charset="-120"/>
+              </a:rPr>
+              <a:t>2</a:t>
+            </a:r>
+            <a:endParaRPr lang="en-US" altLang="zh-TW" sz="6000" b="1" dirty="0" smtClean="0">
+              <a:solidFill>
+                <a:srgbClr val="FFFF00"/>
+              </a:solidFill>
+              <a:effectLst>
+                <a:outerShdw blurRad="38100" dist="38100" dir="2700000" algn="tl">
+                  <a:srgbClr val="000000">
+                    <a:alpha val="43137"/>
+                  </a:srgbClr>
+                </a:outerShdw>
+              </a:effectLst>
+              <a:latin typeface="標楷體" panose="03000509000000000000" pitchFamily="65" charset="-120"/>
+              <a:ea typeface="標楷體" panose="03000509000000000000" pitchFamily="65" charset="-120"/>
+            </a:endParaRPr>
+          </a:p>
+          <a:p>
+            <a:r>
+              <a:rPr lang="zh-TW" altLang="en-US" sz="6000" b="1" dirty="0" smtClean="0">
+                <a:solidFill>
+                  <a:srgbClr val="FFFF00"/>
+                </a:solidFill>
+                <a:effectLst>
+                  <a:outerShdw blurRad="38100" dist="38100" dir="2700000" algn="tl">
+                    <a:srgbClr val="000000">
+                      <a:alpha val="43137"/>
+                    </a:srgbClr>
+                  </a:outerShdw>
+                </a:effectLst>
+                <a:latin typeface="標楷體" panose="03000509000000000000" pitchFamily="65" charset="-120"/>
+                <a:ea typeface="標楷體" panose="03000509000000000000" pitchFamily="65" charset="-120"/>
+              </a:rPr>
+              <a:t>多圖並</a:t>
+            </a:r>
+            <a:r>
+              <a:rPr lang="zh-TW" altLang="en-US" sz="6000" b="1" dirty="0">
+                <a:solidFill>
+                  <a:srgbClr val="FFFF00"/>
+                </a:solidFill>
+                <a:effectLst>
+                  <a:outerShdw blurRad="38100" dist="38100" dir="2700000" algn="tl">
+                    <a:srgbClr val="000000">
+                      <a:alpha val="43137"/>
+                    </a:srgbClr>
+                  </a:outerShdw>
+                </a:effectLst>
+                <a:latin typeface="標楷體" panose="03000509000000000000" pitchFamily="65" charset="-120"/>
+                <a:ea typeface="標楷體" panose="03000509000000000000" pitchFamily="65" charset="-120"/>
+              </a:rPr>
+              <a:t>陳</a:t>
+            </a:r>
+            <a:endParaRPr lang="zh-TW" altLang="en-US" sz="6000" b="1" dirty="0">
+              <a:solidFill>
+                <a:schemeClr val="bg1"/>
+              </a:solidFill>
+              <a:effectLst>
+                <a:outerShdw blurRad="38100" dist="38100" dir="2700000" algn="tl">
+                  <a:srgbClr val="000000">
+                    <a:alpha val="43137"/>
+                  </a:srgbClr>
+                </a:outerShdw>
+              </a:effectLst>
+            </a:endParaRPr>
+          </a:p>
+        </p:txBody>
+      </p:sp>
+    </p:spTree>
+    <p:extLst>
+      <p:ext uri="{BB962C8B-B14F-4D97-AF65-F5344CB8AC3E}">
+        <p14:creationId xmlns:p14="http://schemas.microsoft.com/office/powerpoint/2010/main" val="4077908731"/>
+      </p:ext>
+    </p:extLst>
+  </p:cSld>
+  <p:clrMapOvr>
+    <a:masterClrMapping/>
+  </p:clrMapOvr>
+</p:sld>
+</file>
+
+<file path=ppt/slides/slide21.xml><?xml version="1.0" encoding="utf-8"?>
+<p:sld xmlns:a="http://schemas.openxmlformats.org/drawingml/2006/main" xmlns:r="http://schemas.openxmlformats.org/officeDocument/2006/relationships" xmlns:p="http://schemas.openxmlformats.org/presentationml/2006/main">
+  <p:cSld>
+    <p:spTree>
+      <p:nvGrpSpPr>
+        <p:cNvPr id="1" name=""/>
+        <p:cNvGrpSpPr/>
+        <p:nvPr/>
+      </p:nvGrpSpPr>
+      <p:grpSpPr>
+        <a:xfrm>
+          <a:off x="0" y="0"/>
+          <a:ext cx="0" cy="0"/>
+          <a:chOff x="0" y="0"/>
+          <a:chExt cx="0" cy="0"/>
+        </a:xfrm>
+      </p:grpSpPr>
+      <p:pic>
+        <p:nvPicPr>
+          <p:cNvPr id="4" name="內容版面配置區 3"/>
+          <p:cNvPicPr>
+            <a:picLocks noGrp="1" noChangeAspect="1"/>
+          </p:cNvPicPr>
+          <p:nvPr>
+            <p:ph idx="1"/>
+          </p:nvPr>
+        </p:nvPicPr>
+        <p:blipFill>
+          <a:blip r:embed="rId2">
+            <a:extLst>
+              <a:ext uri="{28A0092B-C50C-407E-A947-70E740481C1C}">
+                <a14:useLocalDpi xmlns:a14="http://schemas.microsoft.com/office/drawing/2010/main" val="0"/>
+              </a:ext>
+            </a:extLst>
+          </a:blip>
+          <a:stretch>
+            <a:fillRect/>
+          </a:stretch>
+        </p:blipFill>
+        <p:spPr>
+          <a:xfrm>
+            <a:off x="630805" y="609507"/>
+            <a:ext cx="6996255" cy="4714054"/>
+          </a:xfrm>
+        </p:spPr>
+      </p:pic>
+    </p:spTree>
+    <p:extLst>
+      <p:ext uri="{BB962C8B-B14F-4D97-AF65-F5344CB8AC3E}">
+        <p14:creationId xmlns:p14="http://schemas.microsoft.com/office/powerpoint/2010/main" val="1172982843"/>
+      </p:ext>
+    </p:extLst>
+  </p:cSld>
+  <p:clrMapOvr>
+    <a:masterClrMapping/>
+  </p:clrMapOvr>
+</p:sld>
+</file>
+
+<file path=ppt/slides/slide22.xml><?xml version="1.0" encoding="utf-8"?>
+<p:sld xmlns:a="http://schemas.openxmlformats.org/drawingml/2006/main" xmlns:r="http://schemas.openxmlformats.org/officeDocument/2006/relationships" xmlns:p="http://schemas.openxmlformats.org/presentationml/2006/main">
+  <p:cSld>
+    <p:spTree>
+      <p:nvGrpSpPr>
+        <p:cNvPr id="1" name=""/>
+        <p:cNvGrpSpPr/>
+        <p:nvPr/>
+      </p:nvGrpSpPr>
+      <p:grpSpPr>
+        <a:xfrm>
+          <a:off x="0" y="0"/>
+          <a:ext cx="0" cy="0"/>
+          <a:chOff x="0" y="0"/>
+          <a:chExt cx="0" cy="0"/>
+        </a:xfrm>
+      </p:grpSpPr>
+      <p:sp>
+        <p:nvSpPr>
+          <p:cNvPr id="9" name="矩形 8"/>
+          <p:cNvSpPr/>
+          <p:nvPr/>
+        </p:nvSpPr>
+        <p:spPr>
+          <a:xfrm>
+            <a:off x="4189956" y="117693"/>
+            <a:ext cx="4572000" cy="4801314"/>
+          </a:xfrm>
+          <a:prstGeom prst="rect">
+            <a:avLst/>
+          </a:prstGeom>
+        </p:spPr>
+        <p:txBody>
+          <a:bodyPr>
+            <a:spAutoFit/>
+          </a:bodyPr>
+          <a:lstStyle/>
+          <a:p>
+            <a:endParaRPr lang="zh-TW" altLang="en-US" dirty="0"/>
+          </a:p>
+          <a:p>
+            <a:r>
+              <a:rPr lang="en-US" altLang="zh-TW" dirty="0"/>
+              <a:t>##</a:t>
+            </a:r>
+            <a:r>
+              <a:rPr lang="zh-TW" altLang="en-US" dirty="0"/>
+              <a:t>設定第一張圖</a:t>
+            </a:r>
+          </a:p>
+          <a:p>
+            <a:r>
+              <a:rPr lang="en-US" altLang="zh-TW" dirty="0" err="1"/>
+              <a:t>plt.sca</a:t>
+            </a:r>
+            <a:r>
+              <a:rPr lang="en-US" altLang="zh-TW" dirty="0"/>
+              <a:t>(ax1)		</a:t>
+            </a:r>
+            <a:r>
+              <a:rPr lang="en-US" altLang="zh-TW" dirty="0" smtClean="0"/>
+              <a:t>#</a:t>
+            </a:r>
+            <a:r>
+              <a:rPr lang="zh-TW" altLang="en-US" dirty="0"/>
+              <a:t>選擇</a:t>
+            </a:r>
+            <a:r>
+              <a:rPr lang="en-US" altLang="zh-TW" dirty="0"/>
+              <a:t>ax1</a:t>
+            </a:r>
+          </a:p>
+          <a:p>
+            <a:r>
+              <a:rPr lang="en-US" altLang="zh-TW" dirty="0" err="1"/>
+              <a:t>plt.plot</a:t>
+            </a:r>
+            <a:r>
+              <a:rPr lang="en-US" altLang="zh-TW" dirty="0"/>
+              <a:t>(x,y1,color</a:t>
+            </a:r>
+            <a:r>
+              <a:rPr lang="en-US" altLang="zh-TW" dirty="0" smtClean="0"/>
+              <a:t>=‘red’)</a:t>
+            </a:r>
+            <a:r>
+              <a:rPr lang="zh-TW" altLang="en-US" dirty="0" smtClean="0"/>
+              <a:t>  </a:t>
+            </a:r>
+            <a:r>
+              <a:rPr lang="en-US" altLang="zh-TW" dirty="0" smtClean="0"/>
+              <a:t> #</a:t>
+            </a:r>
+            <a:r>
+              <a:rPr lang="zh-TW" altLang="en-US" dirty="0"/>
+              <a:t>繪製紅色曲線</a:t>
+            </a:r>
+          </a:p>
+          <a:p>
+            <a:r>
+              <a:rPr lang="en-US" altLang="zh-TW" dirty="0" err="1"/>
+              <a:t>plt.ylim</a:t>
+            </a:r>
+            <a:r>
+              <a:rPr lang="en-US" altLang="zh-TW" dirty="0"/>
+              <a:t>(-1.2,1.2)	</a:t>
+            </a:r>
+            <a:r>
+              <a:rPr lang="en-US" altLang="zh-TW" dirty="0" smtClean="0"/>
+              <a:t>#</a:t>
+            </a:r>
+            <a:r>
+              <a:rPr lang="zh-TW" altLang="en-US" dirty="0"/>
+              <a:t>限制</a:t>
+            </a:r>
+            <a:r>
+              <a:rPr lang="en-US" altLang="zh-TW" dirty="0"/>
+              <a:t>y</a:t>
+            </a:r>
+            <a:r>
+              <a:rPr lang="zh-TW" altLang="en-US" dirty="0"/>
+              <a:t>坐標軸範圍</a:t>
+            </a:r>
+          </a:p>
+          <a:p>
+            <a:r>
+              <a:rPr lang="en-US" altLang="zh-TW" dirty="0" smtClean="0"/>
+              <a:t>##</a:t>
+            </a:r>
+            <a:r>
+              <a:rPr lang="zh-TW" altLang="en-US" dirty="0"/>
+              <a:t>設定第二張圖</a:t>
+            </a:r>
+          </a:p>
+          <a:p>
+            <a:r>
+              <a:rPr lang="en-US" altLang="zh-TW" dirty="0" err="1"/>
+              <a:t>plt.sca</a:t>
+            </a:r>
+            <a:r>
+              <a:rPr lang="en-US" altLang="zh-TW" dirty="0"/>
+              <a:t>(ax2)	</a:t>
+            </a:r>
+            <a:r>
+              <a:rPr lang="en-US" altLang="zh-TW" dirty="0" smtClean="0"/>
+              <a:t>#</a:t>
+            </a:r>
+            <a:r>
+              <a:rPr lang="zh-TW" altLang="en-US" dirty="0"/>
+              <a:t>選擇</a:t>
+            </a:r>
+            <a:r>
+              <a:rPr lang="en-US" altLang="zh-TW" dirty="0"/>
+              <a:t>ax2</a:t>
+            </a:r>
+          </a:p>
+          <a:p>
+            <a:r>
+              <a:rPr lang="en-US" altLang="zh-TW" dirty="0" err="1"/>
+              <a:t>plt.plot</a:t>
+            </a:r>
+            <a:r>
+              <a:rPr lang="en-US" altLang="zh-TW" dirty="0"/>
+              <a:t>(x,y2,'b--')	</a:t>
+            </a:r>
+            <a:r>
+              <a:rPr lang="en-US" altLang="zh-TW" dirty="0" smtClean="0"/>
+              <a:t>#</a:t>
+            </a:r>
+            <a:r>
+              <a:rPr lang="zh-TW" altLang="en-US" dirty="0"/>
+              <a:t>繪製藍色曲線</a:t>
+            </a:r>
+          </a:p>
+          <a:p>
+            <a:r>
+              <a:rPr lang="en-US" altLang="zh-TW" dirty="0" err="1"/>
+              <a:t>plt.ylim</a:t>
+            </a:r>
+            <a:r>
+              <a:rPr lang="en-US" altLang="zh-TW" dirty="0"/>
+              <a:t>(-1.2,1.2)</a:t>
+            </a:r>
+          </a:p>
+          <a:p>
+            <a:endParaRPr lang="en-US" altLang="zh-TW" dirty="0"/>
+          </a:p>
+          <a:p>
+            <a:r>
+              <a:rPr lang="en-US" altLang="zh-TW" dirty="0"/>
+              <a:t>##</a:t>
+            </a:r>
+            <a:r>
+              <a:rPr lang="zh-TW" altLang="en-US" dirty="0"/>
+              <a:t>設定第三張圖</a:t>
+            </a:r>
+          </a:p>
+          <a:p>
+            <a:r>
+              <a:rPr lang="en-US" altLang="zh-TW" dirty="0" err="1"/>
+              <a:t>plt.sca</a:t>
+            </a:r>
+            <a:r>
+              <a:rPr lang="en-US" altLang="zh-TW" dirty="0"/>
+              <a:t>(ax3</a:t>
+            </a:r>
+            <a:r>
+              <a:rPr lang="en-US" altLang="zh-TW" dirty="0" smtClean="0"/>
+              <a:t>)</a:t>
+            </a:r>
+            <a:r>
+              <a:rPr lang="zh-TW" altLang="en-US" dirty="0" smtClean="0"/>
+              <a:t>    </a:t>
+            </a:r>
+            <a:r>
+              <a:rPr lang="en-US" altLang="zh-TW" dirty="0" smtClean="0"/>
+              <a:t>#</a:t>
+            </a:r>
+            <a:r>
+              <a:rPr lang="zh-TW" altLang="en-US" dirty="0"/>
+              <a:t>選擇</a:t>
+            </a:r>
+            <a:r>
+              <a:rPr lang="en-US" altLang="zh-TW" dirty="0"/>
+              <a:t>ax3</a:t>
+            </a:r>
+          </a:p>
+          <a:p>
+            <a:r>
+              <a:rPr lang="en-US" altLang="zh-TW" dirty="0" err="1"/>
+              <a:t>plt.plot</a:t>
+            </a:r>
+            <a:r>
+              <a:rPr lang="en-US" altLang="zh-TW" dirty="0"/>
+              <a:t>(x,y3,'g--')</a:t>
+            </a:r>
+          </a:p>
+          <a:p>
+            <a:r>
+              <a:rPr lang="en-US" altLang="zh-TW" dirty="0" err="1"/>
+              <a:t>plt.ylim</a:t>
+            </a:r>
+            <a:r>
+              <a:rPr lang="en-US" altLang="zh-TW" dirty="0"/>
+              <a:t>(-1.2,1.2)</a:t>
+            </a:r>
+          </a:p>
+          <a:p>
+            <a:endParaRPr lang="en-US" altLang="zh-TW" dirty="0"/>
+          </a:p>
+          <a:p>
+            <a:r>
+              <a:rPr lang="en-US" altLang="zh-TW" dirty="0"/>
+              <a:t>##</a:t>
+            </a:r>
+            <a:r>
+              <a:rPr lang="zh-TW" altLang="en-US" dirty="0"/>
+              <a:t>多圖並呈</a:t>
+            </a:r>
+          </a:p>
+          <a:p>
+            <a:r>
+              <a:rPr lang="en-US" altLang="zh-TW" dirty="0" err="1"/>
+              <a:t>plt.show</a:t>
+            </a:r>
+            <a:r>
+              <a:rPr lang="en-US" altLang="zh-TW" dirty="0"/>
+              <a:t>()</a:t>
+            </a:r>
+            <a:endParaRPr lang="zh-TW" altLang="en-US" dirty="0"/>
+          </a:p>
+        </p:txBody>
+      </p:sp>
+      <p:sp>
+        <p:nvSpPr>
+          <p:cNvPr id="10" name="矩形 9"/>
+          <p:cNvSpPr/>
+          <p:nvPr/>
+        </p:nvSpPr>
+        <p:spPr>
+          <a:xfrm>
+            <a:off x="0" y="513567"/>
+            <a:ext cx="4572000" cy="4524315"/>
+          </a:xfrm>
+          <a:prstGeom prst="rect">
+            <a:avLst/>
+          </a:prstGeom>
+        </p:spPr>
+        <p:txBody>
+          <a:bodyPr>
+            <a:spAutoFit/>
+          </a:bodyPr>
+          <a:lstStyle/>
+          <a:p>
+            <a:r>
+              <a:rPr lang="en-US" altLang="zh-TW" dirty="0"/>
+              <a:t>import </a:t>
+            </a:r>
+            <a:r>
+              <a:rPr lang="en-US" altLang="zh-TW" dirty="0" err="1"/>
+              <a:t>numpy</a:t>
+            </a:r>
+            <a:r>
+              <a:rPr lang="en-US" altLang="zh-TW" dirty="0"/>
+              <a:t> as np</a:t>
+            </a:r>
+          </a:p>
+          <a:p>
+            <a:r>
+              <a:rPr lang="en-US" altLang="zh-TW" dirty="0"/>
+              <a:t>import </a:t>
+            </a:r>
+            <a:r>
+              <a:rPr lang="en-US" altLang="zh-TW" dirty="0" err="1"/>
+              <a:t>matplotlib.pyplot</a:t>
+            </a:r>
+            <a:r>
+              <a:rPr lang="en-US" altLang="zh-TW" dirty="0"/>
+              <a:t> as </a:t>
+            </a:r>
+            <a:r>
+              <a:rPr lang="en-US" altLang="zh-TW" dirty="0" err="1"/>
+              <a:t>plt</a:t>
+            </a:r>
+            <a:endParaRPr lang="en-US" altLang="zh-TW" dirty="0"/>
+          </a:p>
+          <a:p>
+            <a:endParaRPr lang="en-US" altLang="zh-TW" dirty="0"/>
+          </a:p>
+          <a:p>
+            <a:r>
+              <a:rPr lang="en-US" altLang="zh-TW" dirty="0"/>
+              <a:t># </a:t>
+            </a:r>
+            <a:r>
+              <a:rPr lang="zh-TW" altLang="en-US" dirty="0"/>
+              <a:t>產生資料</a:t>
+            </a:r>
+          </a:p>
+          <a:p>
+            <a:r>
+              <a:rPr lang="en-US" altLang="zh-TW" dirty="0"/>
+              <a:t>x= </a:t>
+            </a:r>
+            <a:r>
+              <a:rPr lang="en-US" altLang="zh-TW" dirty="0" err="1"/>
+              <a:t>np.linspace</a:t>
+            </a:r>
+            <a:r>
+              <a:rPr lang="en-US" altLang="zh-TW" dirty="0"/>
+              <a:t>(0, 2*</a:t>
+            </a:r>
+            <a:r>
+              <a:rPr lang="en-US" altLang="zh-TW" dirty="0" err="1"/>
+              <a:t>np.pi</a:t>
+            </a:r>
+            <a:r>
+              <a:rPr lang="en-US" altLang="zh-TW" dirty="0"/>
+              <a:t>, 500)	</a:t>
+            </a:r>
+          </a:p>
+          <a:p>
+            <a:r>
+              <a:rPr lang="en-US" altLang="zh-TW" dirty="0"/>
+              <a:t>y1 = </a:t>
+            </a:r>
+            <a:r>
+              <a:rPr lang="en-US" altLang="zh-TW" dirty="0" err="1"/>
+              <a:t>np.sin</a:t>
+            </a:r>
+            <a:r>
+              <a:rPr lang="en-US" altLang="zh-TW" dirty="0"/>
+              <a:t>(x)					</a:t>
+            </a:r>
+          </a:p>
+          <a:p>
+            <a:r>
+              <a:rPr lang="en-US" altLang="zh-TW" dirty="0"/>
+              <a:t>y2 = </a:t>
+            </a:r>
+            <a:r>
+              <a:rPr lang="en-US" altLang="zh-TW" dirty="0" err="1"/>
+              <a:t>np.cos</a:t>
+            </a:r>
+            <a:r>
+              <a:rPr lang="en-US" altLang="zh-TW" dirty="0"/>
+              <a:t>(x)</a:t>
+            </a:r>
+          </a:p>
+          <a:p>
+            <a:r>
+              <a:rPr lang="en-US" altLang="zh-TW" dirty="0"/>
+              <a:t>y3 = </a:t>
+            </a:r>
+            <a:r>
+              <a:rPr lang="en-US" altLang="zh-TW" dirty="0" err="1"/>
+              <a:t>np.sin</a:t>
+            </a:r>
+            <a:r>
+              <a:rPr lang="en-US" altLang="zh-TW" dirty="0"/>
+              <a:t>(x*x)</a:t>
+            </a:r>
+          </a:p>
+          <a:p>
+            <a:endParaRPr lang="en-US" altLang="zh-TW" dirty="0"/>
+          </a:p>
+          <a:p>
+            <a:r>
+              <a:rPr lang="en-US" altLang="zh-TW" dirty="0"/>
+              <a:t>#</a:t>
+            </a:r>
+            <a:r>
+              <a:rPr lang="zh-TW" altLang="en-US" dirty="0"/>
+              <a:t>畫圖</a:t>
+            </a:r>
+          </a:p>
+          <a:p>
+            <a:r>
+              <a:rPr lang="en-US" altLang="zh-TW" dirty="0" err="1"/>
+              <a:t>plt.figure</a:t>
+            </a:r>
+            <a:r>
+              <a:rPr lang="en-US" altLang="zh-TW" dirty="0"/>
+              <a:t>(1)	</a:t>
+            </a:r>
+            <a:r>
+              <a:rPr lang="en-US" altLang="zh-TW" dirty="0" smtClean="0"/>
+              <a:t>#</a:t>
+            </a:r>
+            <a:r>
+              <a:rPr lang="zh-TW" altLang="en-US" dirty="0"/>
+              <a:t>建立圖形</a:t>
+            </a:r>
+          </a:p>
+          <a:p>
+            <a:r>
+              <a:rPr lang="en-US" altLang="zh-TW" dirty="0"/>
+              <a:t>#create three axes</a:t>
+            </a:r>
+          </a:p>
+          <a:p>
+            <a:r>
+              <a:rPr lang="en-US" altLang="zh-TW" dirty="0"/>
+              <a:t>ax1 = </a:t>
+            </a:r>
+            <a:r>
+              <a:rPr lang="en-US" altLang="zh-TW" dirty="0" err="1"/>
+              <a:t>plt.subplot</a:t>
+            </a:r>
+            <a:r>
+              <a:rPr lang="en-US" altLang="zh-TW" dirty="0"/>
+              <a:t>(2,2,1</a:t>
+            </a:r>
+            <a:r>
+              <a:rPr lang="en-US" altLang="zh-TW" dirty="0" smtClean="0"/>
+              <a:t>)#</a:t>
+            </a:r>
+            <a:r>
+              <a:rPr lang="zh-TW" altLang="en-US" dirty="0"/>
+              <a:t>第一列第一行圖形</a:t>
+            </a:r>
+          </a:p>
+          <a:p>
+            <a:r>
+              <a:rPr lang="en-US" altLang="zh-TW" dirty="0"/>
+              <a:t>ax2 = </a:t>
+            </a:r>
+            <a:r>
+              <a:rPr lang="en-US" altLang="zh-TW" dirty="0" err="1"/>
+              <a:t>plt.subplot</a:t>
+            </a:r>
+            <a:r>
+              <a:rPr lang="en-US" altLang="zh-TW" dirty="0"/>
+              <a:t>(2,2,2</a:t>
+            </a:r>
+            <a:r>
+              <a:rPr lang="en-US" altLang="zh-TW" dirty="0" smtClean="0"/>
+              <a:t>) #</a:t>
+            </a:r>
+            <a:r>
+              <a:rPr lang="zh-TW" altLang="en-US" dirty="0"/>
+              <a:t>第一列第二行圖形</a:t>
+            </a:r>
+          </a:p>
+          <a:p>
+            <a:r>
+              <a:rPr lang="en-US" altLang="zh-TW" dirty="0"/>
+              <a:t>ax3 = </a:t>
+            </a:r>
+            <a:r>
+              <a:rPr lang="en-US" altLang="zh-TW" dirty="0" err="1"/>
+              <a:t>plt.subplot</a:t>
+            </a:r>
+            <a:r>
+              <a:rPr lang="en-US" altLang="zh-TW" dirty="0"/>
+              <a:t>(2,1,2</a:t>
+            </a:r>
+            <a:r>
+              <a:rPr lang="en-US" altLang="zh-TW" dirty="0" smtClean="0"/>
+              <a:t>)#</a:t>
+            </a:r>
+            <a:r>
+              <a:rPr lang="zh-TW" altLang="en-US" dirty="0"/>
+              <a:t>第二列</a:t>
+            </a:r>
+            <a:endParaRPr lang="zh-TW" altLang="en-US" dirty="0"/>
+          </a:p>
+        </p:txBody>
+      </p:sp>
+    </p:spTree>
+    <p:extLst>
+      <p:ext uri="{BB962C8B-B14F-4D97-AF65-F5344CB8AC3E}">
+        <p14:creationId xmlns:p14="http://schemas.microsoft.com/office/powerpoint/2010/main" val="3357464226"/>
+      </p:ext>
+    </p:extLst>
+  </p:cSld>
+  <p:clrMapOvr>
+    <a:masterClrMapping/>
+  </p:clrMapOvr>
+</p:sld>
+</file>
+
+<file path=ppt/slides/slide23.xml><?xml version="1.0" encoding="utf-8"?>
+<p:sld xmlns:a="http://schemas.openxmlformats.org/drawingml/2006/main" xmlns:r="http://schemas.openxmlformats.org/officeDocument/2006/relationships" xmlns:p="http://schemas.openxmlformats.org/presentationml/2006/main">
+  <p:cSld>
+    <p:spTree>
+      <p:nvGrpSpPr>
+        <p:cNvPr id="1" name=""/>
+        <p:cNvGrpSpPr/>
+        <p:nvPr/>
+      </p:nvGrpSpPr>
+      <p:grpSpPr>
+        <a:xfrm>
+          <a:off x="0" y="0"/>
+          <a:ext cx="0" cy="0"/>
+          <a:chOff x="0" y="0"/>
+          <a:chExt cx="0" cy="0"/>
+        </a:xfrm>
+      </p:grpSpPr>
+      <p:sp>
+        <p:nvSpPr>
+          <p:cNvPr id="2" name="標題 1"/>
+          <p:cNvSpPr>
+            <a:spLocks noGrp="1"/>
+          </p:cNvSpPr>
+          <p:nvPr>
+            <p:ph type="title"/>
+          </p:nvPr>
+        </p:nvSpPr>
+        <p:spPr/>
+        <p:txBody>
+          <a:bodyPr/>
+          <a:lstStyle/>
+          <a:p>
+            <a:endParaRPr lang="zh-TW" altLang="en-US"/>
+          </a:p>
+        </p:txBody>
+      </p:sp>
+      <p:sp>
+        <p:nvSpPr>
+          <p:cNvPr id="3" name="內容版面配置區 2"/>
+          <p:cNvSpPr>
+            <a:spLocks noGrp="1"/>
+          </p:cNvSpPr>
+          <p:nvPr>
+            <p:ph idx="1"/>
+          </p:nvPr>
+        </p:nvSpPr>
+        <p:spPr/>
+        <p:txBody>
+          <a:bodyPr/>
+          <a:lstStyle/>
+          <a:p>
+            <a:endParaRPr lang="zh-TW" altLang="en-US"/>
+          </a:p>
+        </p:txBody>
+      </p:sp>
+      <p:sp>
+        <p:nvSpPr>
+          <p:cNvPr id="4" name="矩形 3"/>
+          <p:cNvSpPr/>
+          <p:nvPr/>
+        </p:nvSpPr>
+        <p:spPr>
+          <a:xfrm>
+            <a:off x="0" y="0"/>
+            <a:ext cx="9144000" cy="6858000"/>
+          </a:xfrm>
+          <a:prstGeom prst="rect">
+            <a:avLst/>
+          </a:prstGeom>
+          <a:solidFill>
+            <a:schemeClr val="tx1"/>
+          </a:solidFill>
+          <a:ln>
+            <a:noFill/>
+          </a:ln>
+        </p:spPr>
+        <p:style>
+          <a:lnRef idx="2">
+            <a:schemeClr val="accent1">
+              <a:shade val="50000"/>
+            </a:schemeClr>
+          </a:lnRef>
+          <a:fillRef idx="1">
+            <a:schemeClr val="accent1"/>
+          </a:fillRef>
+          <a:effectRef idx="0">
+            <a:schemeClr val="accent1"/>
+          </a:effectRef>
+          <a:fontRef idx="minor">
+            <a:schemeClr val="lt1"/>
+          </a:fontRef>
+        </p:style>
+        <p:txBody>
+          <a:bodyPr rot="0" spcFirstLastPara="0" vertOverflow="overflow" horzOverflow="overflow" vert="horz" wrap="square" lIns="91440" tIns="45720" rIns="91440" bIns="45720" numCol="1" spcCol="0" rtlCol="0" fromWordArt="0" anchor="ctr" anchorCtr="0" forceAA="0" compatLnSpc="1">
+            <a:prstTxWarp prst="textNoShape">
+              <a:avLst/>
+            </a:prstTxWarp>
+            <a:noAutofit/>
+          </a:bodyPr>
+          <a:lstStyle/>
+          <a:p>
+            <a:pPr algn="ctr"/>
+            <a:endParaRPr lang="zh-TW" altLang="en-US"/>
+          </a:p>
+        </p:txBody>
+      </p:sp>
+      <p:sp>
+        <p:nvSpPr>
+          <p:cNvPr id="5" name="矩形 4"/>
+          <p:cNvSpPr/>
+          <p:nvPr/>
+        </p:nvSpPr>
+        <p:spPr>
+          <a:xfrm>
+            <a:off x="552762" y="1825625"/>
             <a:ext cx="8648521" cy="1938992"/>
           </a:xfrm>
           <a:prstGeom prst="rect">
@@ -7362,7 +8266,7 @@
 </p:sld>
 </file>
 
-<file path=ppt/slides/slide21.xml><?xml version="1.0" encoding="utf-8"?>
+<file path=ppt/slides/slide24.xml><?xml version="1.0" encoding="utf-8"?>
 <p:sld xmlns:a="http://schemas.openxmlformats.org/drawingml/2006/main" xmlns:r="http://schemas.openxmlformats.org/officeDocument/2006/relationships" xmlns:p="http://schemas.openxmlformats.org/presentationml/2006/main">
   <p:cSld>
     <p:spTree>
@@ -7475,7 +8379,7 @@
 </p:sld>
 </file>
 
-<file path=ppt/slides/slide22.xml><?xml version="1.0" encoding="utf-8"?>
+<file path=ppt/slides/slide25.xml><?xml version="1.0" encoding="utf-8"?>
 <p:sld xmlns:a="http://schemas.openxmlformats.org/drawingml/2006/main" xmlns:r="http://schemas.openxmlformats.org/officeDocument/2006/relationships" xmlns:p="http://schemas.openxmlformats.org/presentationml/2006/main">
   <p:cSld>
     <p:spTree>
@@ -12119,7 +13023,7 @@
 </p:sld>
 </file>
 
-<file path=ppt/slides/slide23.xml><?xml version="1.0" encoding="utf-8"?>
+<file path=ppt/slides/slide26.xml><?xml version="1.0" encoding="utf-8"?>
 <p:sld xmlns:a="http://schemas.openxmlformats.org/drawingml/2006/main" xmlns:r="http://schemas.openxmlformats.org/officeDocument/2006/relationships" xmlns:p="http://schemas.openxmlformats.org/presentationml/2006/main">
   <p:cSld>
     <p:spTree>
@@ -12352,7 +13256,7 @@
 </p:sld>
 </file>
 
-<file path=ppt/slides/slide24.xml><?xml version="1.0" encoding="utf-8"?>
+<file path=ppt/slides/slide27.xml><?xml version="1.0" encoding="utf-8"?>
 <p:sld xmlns:a="http://schemas.openxmlformats.org/drawingml/2006/main" xmlns:r="http://schemas.openxmlformats.org/officeDocument/2006/relationships" xmlns:p="http://schemas.openxmlformats.org/presentationml/2006/main">
   <p:cSld>
     <p:spTree>
@@ -12509,7 +13413,7 @@
 </p:sld>
 </file>
 
-<file path=ppt/slides/slide25.xml><?xml version="1.0" encoding="utf-8"?>
+<file path=ppt/slides/slide28.xml><?xml version="1.0" encoding="utf-8"?>
 <p:sld xmlns:a="http://schemas.openxmlformats.org/drawingml/2006/main" xmlns:r="http://schemas.openxmlformats.org/officeDocument/2006/relationships" xmlns:p="http://schemas.openxmlformats.org/presentationml/2006/main">
   <p:cSld>
     <p:spTree>
@@ -12569,7 +13473,7 @@
 </p:sld>
 </file>
 
-<file path=ppt/slides/slide26.xml><?xml version="1.0" encoding="utf-8"?>
+<file path=ppt/slides/slide29.xml><?xml version="1.0" encoding="utf-8"?>
 <p:sld xmlns:a="http://schemas.openxmlformats.org/drawingml/2006/main" xmlns:r="http://schemas.openxmlformats.org/officeDocument/2006/relationships" xmlns:p="http://schemas.openxmlformats.org/presentationml/2006/main">
   <p:cSld>
     <p:spTree>
@@ -12629,7 +13533,285 @@
 </p:sld>
 </file>
 
-<file path=ppt/slides/slide27.xml><?xml version="1.0" encoding="utf-8"?>
+<file path=ppt/slides/slide3.xml><?xml version="1.0" encoding="utf-8"?>
+<p:sld xmlns:a="http://schemas.openxmlformats.org/drawingml/2006/main" xmlns:r="http://schemas.openxmlformats.org/officeDocument/2006/relationships" xmlns:p="http://schemas.openxmlformats.org/presentationml/2006/main">
+  <p:cSld>
+    <p:spTree>
+      <p:nvGrpSpPr>
+        <p:cNvPr id="1" name=""/>
+        <p:cNvGrpSpPr/>
+        <p:nvPr/>
+      </p:nvGrpSpPr>
+      <p:grpSpPr>
+        <a:xfrm>
+          <a:off x="0" y="0"/>
+          <a:ext cx="0" cy="0"/>
+          <a:chOff x="0" y="0"/>
+          <a:chExt cx="0" cy="0"/>
+        </a:xfrm>
+      </p:grpSpPr>
+      <p:sp>
+        <p:nvSpPr>
+          <p:cNvPr id="2" name="矩形 1"/>
+          <p:cNvSpPr/>
+          <p:nvPr/>
+        </p:nvSpPr>
+        <p:spPr>
+          <a:xfrm>
+            <a:off x="906086" y="1067228"/>
+            <a:ext cx="7140634" cy="3970318"/>
+          </a:xfrm>
+          <a:prstGeom prst="rect">
+            <a:avLst/>
+          </a:prstGeom>
+        </p:spPr>
+        <p:txBody>
+          <a:bodyPr wrap="square">
+            <a:spAutoFit/>
+          </a:bodyPr>
+          <a:lstStyle/>
+          <a:p>
+            <a:r>
+              <a:rPr lang="en-US" altLang="zh-TW" dirty="0"/>
+              <a:t>[1].Data Visualization</a:t>
+            </a:r>
+            <a:r>
+              <a:rPr lang="zh-TW" altLang="en-US" dirty="0"/>
+              <a:t>資料視覺化</a:t>
+            </a:r>
+          </a:p>
+          <a:p>
+            <a:r>
+              <a:rPr lang="en-US" altLang="zh-TW" dirty="0"/>
+              <a:t>[2].</a:t>
+            </a:r>
+            <a:r>
+              <a:rPr lang="zh-TW" altLang="en-US" dirty="0"/>
+              <a:t>資料視覺化</a:t>
+            </a:r>
+            <a:r>
+              <a:rPr lang="ja-JP" altLang="en-US" dirty="0"/>
+              <a:t>の</a:t>
+            </a:r>
+            <a:r>
+              <a:rPr lang="zh-TW" altLang="en-US" dirty="0"/>
+              <a:t>套件</a:t>
+            </a:r>
+          </a:p>
+          <a:p>
+            <a:r>
+              <a:rPr lang="en-US" altLang="zh-TW" dirty="0"/>
+              <a:t>[3].Google </a:t>
+            </a:r>
+            <a:r>
+              <a:rPr lang="en-US" altLang="zh-TW" dirty="0" err="1"/>
+              <a:t>Colab</a:t>
+            </a:r>
+            <a:r>
+              <a:rPr lang="zh-TW" altLang="en-US" dirty="0"/>
+              <a:t>上的範利</a:t>
+            </a:r>
+          </a:p>
+          <a:p>
+            <a:endParaRPr lang="zh-TW" altLang="en-US" dirty="0"/>
+          </a:p>
+          <a:p>
+            <a:r>
+              <a:rPr lang="en-US" altLang="zh-TW" dirty="0"/>
+              <a:t>[4].MATPLOTLIB</a:t>
+            </a:r>
+          </a:p>
+          <a:p>
+            <a:r>
+              <a:rPr lang="en-US" altLang="zh-TW" dirty="0"/>
+              <a:t>[5].MATPLOTLIB</a:t>
+            </a:r>
+            <a:r>
+              <a:rPr lang="zh-TW" altLang="en-US" dirty="0"/>
+              <a:t>範例學習</a:t>
+            </a:r>
+            <a:r>
+              <a:rPr lang="en-US" altLang="zh-TW" dirty="0"/>
+              <a:t>[1]</a:t>
+            </a:r>
+            <a:r>
+              <a:rPr lang="zh-TW" altLang="en-US" dirty="0"/>
+              <a:t>單一圖形</a:t>
+            </a:r>
+          </a:p>
+          <a:p>
+            <a:r>
+              <a:rPr lang="zh-TW" altLang="en-US" dirty="0"/>
+              <a:t>    </a:t>
+            </a:r>
+            <a:r>
+              <a:rPr lang="en-US" altLang="zh-TW" dirty="0" err="1"/>
+              <a:t>matplotlib.pyplot</a:t>
+            </a:r>
+            <a:r>
+              <a:rPr lang="zh-TW" altLang="en-US" dirty="0"/>
+              <a:t>的許多範例</a:t>
+            </a:r>
+          </a:p>
+          <a:p>
+            <a:r>
+              <a:rPr lang="zh-TW" altLang="en-US" dirty="0"/>
+              <a:t>     </a:t>
+            </a:r>
+            <a:r>
+              <a:rPr lang="en-US" altLang="zh-TW" dirty="0"/>
+              <a:t>plot():</a:t>
+            </a:r>
+            <a:r>
+              <a:rPr lang="zh-TW" altLang="en-US" dirty="0"/>
+              <a:t>折線圖</a:t>
+            </a:r>
+            <a:r>
+              <a:rPr lang="en-US" altLang="zh-TW" dirty="0"/>
+              <a:t>(Line chart):</a:t>
+            </a:r>
+            <a:r>
+              <a:rPr lang="en-US" altLang="zh-TW" dirty="0" err="1"/>
+              <a:t>matplotlib.pyplot.plot</a:t>
+            </a:r>
+            <a:endParaRPr lang="en-US" altLang="zh-TW" dirty="0"/>
+          </a:p>
+          <a:p>
+            <a:r>
+              <a:rPr lang="en-US" altLang="zh-TW" dirty="0"/>
+              <a:t>     bar():</a:t>
+            </a:r>
+            <a:r>
+              <a:rPr lang="zh-TW" altLang="en-US" dirty="0"/>
+              <a:t>長條圖</a:t>
+            </a:r>
+            <a:r>
+              <a:rPr lang="en-US" altLang="zh-TW" dirty="0"/>
+              <a:t>|</a:t>
+            </a:r>
+            <a:r>
+              <a:rPr lang="zh-TW" altLang="en-US" dirty="0"/>
+              <a:t>柱狀圖</a:t>
+            </a:r>
+            <a:r>
+              <a:rPr lang="en-US" altLang="zh-TW" dirty="0"/>
+              <a:t>(Bar Chart):</a:t>
+            </a:r>
+            <a:r>
+              <a:rPr lang="en-US" altLang="zh-TW" dirty="0" err="1"/>
+              <a:t>matplotlib.pyplot.bar</a:t>
+            </a:r>
+            <a:endParaRPr lang="en-US" altLang="zh-TW" dirty="0"/>
+          </a:p>
+          <a:p>
+            <a:r>
+              <a:rPr lang="en-US" altLang="zh-TW" dirty="0"/>
+              <a:t>     </a:t>
+            </a:r>
+            <a:r>
+              <a:rPr lang="en-US" altLang="zh-TW" dirty="0" err="1"/>
+              <a:t>hist</a:t>
+            </a:r>
+            <a:r>
+              <a:rPr lang="en-US" altLang="zh-TW" dirty="0"/>
+              <a:t>():</a:t>
+            </a:r>
+            <a:r>
+              <a:rPr lang="zh-TW" altLang="en-US" dirty="0"/>
+              <a:t>直方圖</a:t>
+            </a:r>
+            <a:r>
+              <a:rPr lang="en-US" altLang="zh-TW" dirty="0"/>
+              <a:t>(histogram):</a:t>
+            </a:r>
+            <a:r>
+              <a:rPr lang="en-US" altLang="zh-TW" dirty="0" err="1"/>
+              <a:t>matplotlib.pyplot.hist</a:t>
+            </a:r>
+            <a:endParaRPr lang="en-US" altLang="zh-TW" dirty="0"/>
+          </a:p>
+          <a:p>
+            <a:r>
+              <a:rPr lang="en-US" altLang="zh-TW" dirty="0"/>
+              <a:t>     boxplot():</a:t>
+            </a:r>
+            <a:r>
+              <a:rPr lang="zh-TW" altLang="en-US" dirty="0"/>
+              <a:t>箱形圖 </a:t>
+            </a:r>
+            <a:r>
+              <a:rPr lang="en-US" altLang="zh-TW" dirty="0"/>
+              <a:t>(Box plot):</a:t>
+            </a:r>
+            <a:r>
+              <a:rPr lang="en-US" altLang="zh-TW" dirty="0" err="1"/>
+              <a:t>matplotlib.pyplot.boxplot</a:t>
+            </a:r>
+            <a:endParaRPr lang="en-US" altLang="zh-TW" dirty="0"/>
+          </a:p>
+          <a:p>
+            <a:r>
+              <a:rPr lang="en-US" altLang="zh-TW" dirty="0"/>
+              <a:t>     scatter():</a:t>
+            </a:r>
+            <a:r>
+              <a:rPr lang="zh-TW" altLang="en-US" dirty="0"/>
+              <a:t>散佈圖 </a:t>
+            </a:r>
+            <a:r>
+              <a:rPr lang="en-US" altLang="zh-TW" dirty="0"/>
+              <a:t>(Scatter plot): </a:t>
+            </a:r>
+            <a:r>
+              <a:rPr lang="en-US" altLang="zh-TW" dirty="0" err="1"/>
+              <a:t>matplotlib.pyplot.scatter</a:t>
+            </a:r>
+            <a:endParaRPr lang="en-US" altLang="zh-TW" dirty="0"/>
+          </a:p>
+          <a:p>
+            <a:r>
+              <a:rPr lang="en-US" altLang="zh-TW" dirty="0"/>
+              <a:t>     </a:t>
+            </a:r>
+            <a:r>
+              <a:rPr lang="zh-TW" altLang="en-US" dirty="0"/>
+              <a:t>圓餅圖</a:t>
+            </a:r>
+          </a:p>
+          <a:p>
+            <a:r>
+              <a:rPr lang="en-US" altLang="zh-TW" dirty="0"/>
+              <a:t>[6].MATPLOTLIB</a:t>
+            </a:r>
+            <a:r>
+              <a:rPr lang="zh-TW" altLang="en-US" dirty="0"/>
+              <a:t>範例學習</a:t>
+            </a:r>
+            <a:r>
+              <a:rPr lang="en-US" altLang="zh-TW" dirty="0"/>
+              <a:t>[2]</a:t>
+            </a:r>
+            <a:r>
+              <a:rPr lang="zh-TW" altLang="en-US" dirty="0"/>
+              <a:t>多圖形並陳</a:t>
+            </a:r>
+          </a:p>
+        </p:txBody>
+      </p:sp>
+    </p:spTree>
+    <p:extLst>
+      <p:ext uri="{BB962C8B-B14F-4D97-AF65-F5344CB8AC3E}">
+        <p14:creationId xmlns:p14="http://schemas.microsoft.com/office/powerpoint/2010/main" val="3988798401"/>
+      </p:ext>
+    </p:extLst>
+  </p:cSld>
+  <p:clrMapOvr>
+    <a:masterClrMapping/>
+  </p:clrMapOvr>
+</p:sld>
+</file>
+
+<file path=ppt/slides/slide30.xml><?xml version="1.0" encoding="utf-8"?>
 <p:sld xmlns:a="http://schemas.openxmlformats.org/drawingml/2006/main" xmlns:r="http://schemas.openxmlformats.org/officeDocument/2006/relationships" xmlns:p="http://schemas.openxmlformats.org/presentationml/2006/main">
   <p:cSld>
     <p:spTree>
@@ -12689,7 +13871,7 @@
 </p:sld>
 </file>
 
-<file path=ppt/slides/slide28.xml><?xml version="1.0" encoding="utf-8"?>
+<file path=ppt/slides/slide31.xml><?xml version="1.0" encoding="utf-8"?>
 <p:sld xmlns:a="http://schemas.openxmlformats.org/drawingml/2006/main" xmlns:r="http://schemas.openxmlformats.org/officeDocument/2006/relationships" xmlns:p="http://schemas.openxmlformats.org/presentationml/2006/main">
   <p:cSld>
     <p:spTree>
@@ -12749,7 +13931,7 @@
 </p:sld>
 </file>
 
-<file path=ppt/slides/slide29.xml><?xml version="1.0" encoding="utf-8"?>
+<file path=ppt/slides/slide32.xml><?xml version="1.0" encoding="utf-8"?>
 <p:sld xmlns:a="http://schemas.openxmlformats.org/drawingml/2006/main" xmlns:r="http://schemas.openxmlformats.org/officeDocument/2006/relationships" xmlns:p="http://schemas.openxmlformats.org/presentationml/2006/main">
   <p:cSld>
     <p:spTree>
@@ -12809,285 +13991,7 @@
 </p:sld>
 </file>
 
-<file path=ppt/slides/slide3.xml><?xml version="1.0" encoding="utf-8"?>
-<p:sld xmlns:a="http://schemas.openxmlformats.org/drawingml/2006/main" xmlns:r="http://schemas.openxmlformats.org/officeDocument/2006/relationships" xmlns:p="http://schemas.openxmlformats.org/presentationml/2006/main">
-  <p:cSld>
-    <p:spTree>
-      <p:nvGrpSpPr>
-        <p:cNvPr id="1" name=""/>
-        <p:cNvGrpSpPr/>
-        <p:nvPr/>
-      </p:nvGrpSpPr>
-      <p:grpSpPr>
-        <a:xfrm>
-          <a:off x="0" y="0"/>
-          <a:ext cx="0" cy="0"/>
-          <a:chOff x="0" y="0"/>
-          <a:chExt cx="0" cy="0"/>
-        </a:xfrm>
-      </p:grpSpPr>
-      <p:sp>
-        <p:nvSpPr>
-          <p:cNvPr id="2" name="矩形 1"/>
-          <p:cNvSpPr/>
-          <p:nvPr/>
-        </p:nvSpPr>
-        <p:spPr>
-          <a:xfrm>
-            <a:off x="906086" y="1067228"/>
-            <a:ext cx="7140634" cy="3970318"/>
-          </a:xfrm>
-          <a:prstGeom prst="rect">
-            <a:avLst/>
-          </a:prstGeom>
-        </p:spPr>
-        <p:txBody>
-          <a:bodyPr wrap="square">
-            <a:spAutoFit/>
-          </a:bodyPr>
-          <a:lstStyle/>
-          <a:p>
-            <a:r>
-              <a:rPr lang="en-US" altLang="zh-TW" dirty="0"/>
-              <a:t>[1].Data Visualization</a:t>
-            </a:r>
-            <a:r>
-              <a:rPr lang="zh-TW" altLang="en-US" dirty="0"/>
-              <a:t>資料視覺化</a:t>
-            </a:r>
-          </a:p>
-          <a:p>
-            <a:r>
-              <a:rPr lang="en-US" altLang="zh-TW" dirty="0"/>
-              <a:t>[2].</a:t>
-            </a:r>
-            <a:r>
-              <a:rPr lang="zh-TW" altLang="en-US" dirty="0"/>
-              <a:t>資料視覺化</a:t>
-            </a:r>
-            <a:r>
-              <a:rPr lang="ja-JP" altLang="en-US" dirty="0"/>
-              <a:t>の</a:t>
-            </a:r>
-            <a:r>
-              <a:rPr lang="zh-TW" altLang="en-US" dirty="0"/>
-              <a:t>套件</a:t>
-            </a:r>
-          </a:p>
-          <a:p>
-            <a:r>
-              <a:rPr lang="en-US" altLang="zh-TW" dirty="0"/>
-              <a:t>[3].Google </a:t>
-            </a:r>
-            <a:r>
-              <a:rPr lang="en-US" altLang="zh-TW" dirty="0" err="1"/>
-              <a:t>Colab</a:t>
-            </a:r>
-            <a:r>
-              <a:rPr lang="zh-TW" altLang="en-US" dirty="0"/>
-              <a:t>上的範利</a:t>
-            </a:r>
-          </a:p>
-          <a:p>
-            <a:endParaRPr lang="zh-TW" altLang="en-US" dirty="0"/>
-          </a:p>
-          <a:p>
-            <a:r>
-              <a:rPr lang="en-US" altLang="zh-TW" dirty="0"/>
-              <a:t>[4].MATPLOTLIB</a:t>
-            </a:r>
-          </a:p>
-          <a:p>
-            <a:r>
-              <a:rPr lang="en-US" altLang="zh-TW" dirty="0"/>
-              <a:t>[5].MATPLOTLIB</a:t>
-            </a:r>
-            <a:r>
-              <a:rPr lang="zh-TW" altLang="en-US" dirty="0"/>
-              <a:t>範例學習</a:t>
-            </a:r>
-            <a:r>
-              <a:rPr lang="en-US" altLang="zh-TW" dirty="0"/>
-              <a:t>[1]</a:t>
-            </a:r>
-            <a:r>
-              <a:rPr lang="zh-TW" altLang="en-US" dirty="0"/>
-              <a:t>單一圖形</a:t>
-            </a:r>
-          </a:p>
-          <a:p>
-            <a:r>
-              <a:rPr lang="zh-TW" altLang="en-US" dirty="0"/>
-              <a:t>    </a:t>
-            </a:r>
-            <a:r>
-              <a:rPr lang="en-US" altLang="zh-TW" dirty="0" err="1"/>
-              <a:t>matplotlib.pyplot</a:t>
-            </a:r>
-            <a:r>
-              <a:rPr lang="zh-TW" altLang="en-US" dirty="0"/>
-              <a:t>的許多範例</a:t>
-            </a:r>
-          </a:p>
-          <a:p>
-            <a:r>
-              <a:rPr lang="zh-TW" altLang="en-US" dirty="0"/>
-              <a:t>     </a:t>
-            </a:r>
-            <a:r>
-              <a:rPr lang="en-US" altLang="zh-TW" dirty="0"/>
-              <a:t>plot():</a:t>
-            </a:r>
-            <a:r>
-              <a:rPr lang="zh-TW" altLang="en-US" dirty="0"/>
-              <a:t>折線圖</a:t>
-            </a:r>
-            <a:r>
-              <a:rPr lang="en-US" altLang="zh-TW" dirty="0"/>
-              <a:t>(Line chart):</a:t>
-            </a:r>
-            <a:r>
-              <a:rPr lang="en-US" altLang="zh-TW" dirty="0" err="1"/>
-              <a:t>matplotlib.pyplot.plot</a:t>
-            </a:r>
-            <a:endParaRPr lang="en-US" altLang="zh-TW" dirty="0"/>
-          </a:p>
-          <a:p>
-            <a:r>
-              <a:rPr lang="en-US" altLang="zh-TW" dirty="0"/>
-              <a:t>     bar():</a:t>
-            </a:r>
-            <a:r>
-              <a:rPr lang="zh-TW" altLang="en-US" dirty="0"/>
-              <a:t>長條圖</a:t>
-            </a:r>
-            <a:r>
-              <a:rPr lang="en-US" altLang="zh-TW" dirty="0"/>
-              <a:t>|</a:t>
-            </a:r>
-            <a:r>
-              <a:rPr lang="zh-TW" altLang="en-US" dirty="0"/>
-              <a:t>柱狀圖</a:t>
-            </a:r>
-            <a:r>
-              <a:rPr lang="en-US" altLang="zh-TW" dirty="0"/>
-              <a:t>(Bar Chart):</a:t>
-            </a:r>
-            <a:r>
-              <a:rPr lang="en-US" altLang="zh-TW" dirty="0" err="1"/>
-              <a:t>matplotlib.pyplot.bar</a:t>
-            </a:r>
-            <a:endParaRPr lang="en-US" altLang="zh-TW" dirty="0"/>
-          </a:p>
-          <a:p>
-            <a:r>
-              <a:rPr lang="en-US" altLang="zh-TW" dirty="0"/>
-              <a:t>     </a:t>
-            </a:r>
-            <a:r>
-              <a:rPr lang="en-US" altLang="zh-TW" dirty="0" err="1"/>
-              <a:t>hist</a:t>
-            </a:r>
-            <a:r>
-              <a:rPr lang="en-US" altLang="zh-TW" dirty="0"/>
-              <a:t>():</a:t>
-            </a:r>
-            <a:r>
-              <a:rPr lang="zh-TW" altLang="en-US" dirty="0"/>
-              <a:t>直方圖</a:t>
-            </a:r>
-            <a:r>
-              <a:rPr lang="en-US" altLang="zh-TW" dirty="0"/>
-              <a:t>(histogram):</a:t>
-            </a:r>
-            <a:r>
-              <a:rPr lang="en-US" altLang="zh-TW" dirty="0" err="1"/>
-              <a:t>matplotlib.pyplot.hist</a:t>
-            </a:r>
-            <a:endParaRPr lang="en-US" altLang="zh-TW" dirty="0"/>
-          </a:p>
-          <a:p>
-            <a:r>
-              <a:rPr lang="en-US" altLang="zh-TW" dirty="0"/>
-              <a:t>     boxplot():</a:t>
-            </a:r>
-            <a:r>
-              <a:rPr lang="zh-TW" altLang="en-US" dirty="0"/>
-              <a:t>箱形圖 </a:t>
-            </a:r>
-            <a:r>
-              <a:rPr lang="en-US" altLang="zh-TW" dirty="0"/>
-              <a:t>(Box plot):</a:t>
-            </a:r>
-            <a:r>
-              <a:rPr lang="en-US" altLang="zh-TW" dirty="0" err="1"/>
-              <a:t>matplotlib.pyplot.boxplot</a:t>
-            </a:r>
-            <a:endParaRPr lang="en-US" altLang="zh-TW" dirty="0"/>
-          </a:p>
-          <a:p>
-            <a:r>
-              <a:rPr lang="en-US" altLang="zh-TW" dirty="0"/>
-              <a:t>     scatter():</a:t>
-            </a:r>
-            <a:r>
-              <a:rPr lang="zh-TW" altLang="en-US" dirty="0"/>
-              <a:t>散佈圖 </a:t>
-            </a:r>
-            <a:r>
-              <a:rPr lang="en-US" altLang="zh-TW" dirty="0"/>
-              <a:t>(Scatter plot): </a:t>
-            </a:r>
-            <a:r>
-              <a:rPr lang="en-US" altLang="zh-TW" dirty="0" err="1"/>
-              <a:t>matplotlib.pyplot.scatter</a:t>
-            </a:r>
-            <a:endParaRPr lang="en-US" altLang="zh-TW" dirty="0"/>
-          </a:p>
-          <a:p>
-            <a:r>
-              <a:rPr lang="en-US" altLang="zh-TW" dirty="0"/>
-              <a:t>     </a:t>
-            </a:r>
-            <a:r>
-              <a:rPr lang="zh-TW" altLang="en-US" dirty="0"/>
-              <a:t>圓餅圖</a:t>
-            </a:r>
-          </a:p>
-          <a:p>
-            <a:r>
-              <a:rPr lang="en-US" altLang="zh-TW" dirty="0"/>
-              <a:t>[6].MATPLOTLIB</a:t>
-            </a:r>
-            <a:r>
-              <a:rPr lang="zh-TW" altLang="en-US" dirty="0"/>
-              <a:t>範例學習</a:t>
-            </a:r>
-            <a:r>
-              <a:rPr lang="en-US" altLang="zh-TW" dirty="0"/>
-              <a:t>[2]</a:t>
-            </a:r>
-            <a:r>
-              <a:rPr lang="zh-TW" altLang="en-US" dirty="0"/>
-              <a:t>多圖形並陳</a:t>
-            </a:r>
-          </a:p>
-        </p:txBody>
-      </p:sp>
-    </p:spTree>
-    <p:extLst>
-      <p:ext uri="{BB962C8B-B14F-4D97-AF65-F5344CB8AC3E}">
-        <p14:creationId xmlns:p14="http://schemas.microsoft.com/office/powerpoint/2010/main" val="3988798401"/>
-      </p:ext>
-    </p:extLst>
-  </p:cSld>
-  <p:clrMapOvr>
-    <a:masterClrMapping/>
-  </p:clrMapOvr>
-</p:sld>
-</file>
-
-<file path=ppt/slides/slide30.xml><?xml version="1.0" encoding="utf-8"?>
+<file path=ppt/slides/slide33.xml><?xml version="1.0" encoding="utf-8"?>
 <p:sld xmlns:a="http://schemas.openxmlformats.org/drawingml/2006/main" xmlns:r="http://schemas.openxmlformats.org/officeDocument/2006/relationships" xmlns:p="http://schemas.openxmlformats.org/presentationml/2006/main">
   <p:cSld>
     <p:spTree>
@@ -13147,7 +14051,7 @@
 </p:sld>
 </file>
 
-<file path=ppt/slides/slide31.xml><?xml version="1.0" encoding="utf-8"?>
+<file path=ppt/slides/slide34.xml><?xml version="1.0" encoding="utf-8"?>
 <p:sld xmlns:a="http://schemas.openxmlformats.org/drawingml/2006/main" xmlns:r="http://schemas.openxmlformats.org/officeDocument/2006/relationships" xmlns:p="http://schemas.openxmlformats.org/presentationml/2006/main">
   <p:cSld>
     <p:spTree>
@@ -13477,7 +14381,7 @@
 </p:sld>
 </file>
 
-<file path=ppt/slides/slide32.xml><?xml version="1.0" encoding="utf-8"?>
+<file path=ppt/slides/slide35.xml><?xml version="1.0" encoding="utf-8"?>
 <p:sld xmlns:a="http://schemas.openxmlformats.org/drawingml/2006/main" xmlns:r="http://schemas.openxmlformats.org/officeDocument/2006/relationships" xmlns:p="http://schemas.openxmlformats.org/presentationml/2006/main">
   <p:cSld>
     <p:spTree>
@@ -13834,7 +14738,7 @@
 </p:sld>
 </file>
 
-<file path=ppt/slides/slide33.xml><?xml version="1.0" encoding="utf-8"?>
+<file path=ppt/slides/slide36.xml><?xml version="1.0" encoding="utf-8"?>
 <p:sld xmlns:a="http://schemas.openxmlformats.org/drawingml/2006/main" xmlns:r="http://schemas.openxmlformats.org/officeDocument/2006/relationships" xmlns:p="http://schemas.openxmlformats.org/presentationml/2006/main">
   <p:cSld>
     <p:spTree>
@@ -14042,7 +14946,7 @@
 </p:sld>
 </file>
 
-<file path=ppt/slides/slide34.xml><?xml version="1.0" encoding="utf-8"?>
+<file path=ppt/slides/slide37.xml><?xml version="1.0" encoding="utf-8"?>
 <p:sld xmlns:a="http://schemas.openxmlformats.org/drawingml/2006/main" xmlns:r="http://schemas.openxmlformats.org/officeDocument/2006/relationships" xmlns:p="http://schemas.openxmlformats.org/presentationml/2006/main">
   <p:cSld>
     <p:spTree>
@@ -14410,7 +15314,7 @@
 </p:sld>
 </file>
 
-<file path=ppt/slides/slide35.xml><?xml version="1.0" encoding="utf-8"?>
+<file path=ppt/slides/slide38.xml><?xml version="1.0" encoding="utf-8"?>
 <p:sld xmlns:a="http://schemas.openxmlformats.org/drawingml/2006/main" xmlns:r="http://schemas.openxmlformats.org/officeDocument/2006/relationships" xmlns:p="http://schemas.openxmlformats.org/presentationml/2006/main">
   <p:cSld>
     <p:spTree>
@@ -14661,7 +15565,7 @@
 </p:sld>
 </file>
 
-<file path=ppt/slides/slide36.xml><?xml version="1.0" encoding="utf-8"?>
+<file path=ppt/slides/slide39.xml><?xml version="1.0" encoding="utf-8"?>
 <p:sld xmlns:a="http://schemas.openxmlformats.org/drawingml/2006/main" xmlns:r="http://schemas.openxmlformats.org/officeDocument/2006/relationships" xmlns:p="http://schemas.openxmlformats.org/presentationml/2006/main">
   <p:cSld>
     <p:spTree>
@@ -14939,7 +15843,283 @@
 </p:sld>
 </file>
 
-<file path=ppt/slides/slide37.xml><?xml version="1.0" encoding="utf-8"?>
+<file path=ppt/slides/slide4.xml><?xml version="1.0" encoding="utf-8"?>
+<p:sld xmlns:a="http://schemas.openxmlformats.org/drawingml/2006/main" xmlns:r="http://schemas.openxmlformats.org/officeDocument/2006/relationships" xmlns:p="http://schemas.openxmlformats.org/presentationml/2006/main">
+  <p:cSld>
+    <p:spTree>
+      <p:nvGrpSpPr>
+        <p:cNvPr id="1" name=""/>
+        <p:cNvGrpSpPr/>
+        <p:nvPr/>
+      </p:nvGrpSpPr>
+      <p:grpSpPr>
+        <a:xfrm>
+          <a:off x="0" y="0"/>
+          <a:ext cx="0" cy="0"/>
+          <a:chOff x="0" y="0"/>
+          <a:chExt cx="0" cy="0"/>
+        </a:xfrm>
+      </p:grpSpPr>
+      <p:sp>
+        <p:nvSpPr>
+          <p:cNvPr id="2" name="標題 1"/>
+          <p:cNvSpPr>
+            <a:spLocks noGrp="1"/>
+          </p:cNvSpPr>
+          <p:nvPr>
+            <p:ph type="title"/>
+          </p:nvPr>
+        </p:nvSpPr>
+        <p:spPr/>
+        <p:txBody>
+          <a:bodyPr/>
+          <a:lstStyle/>
+          <a:p>
+            <a:endParaRPr lang="zh-TW" altLang="en-US"/>
+          </a:p>
+        </p:txBody>
+      </p:sp>
+      <p:sp>
+        <p:nvSpPr>
+          <p:cNvPr id="3" name="內容版面配置區 2"/>
+          <p:cNvSpPr>
+            <a:spLocks noGrp="1"/>
+          </p:cNvSpPr>
+          <p:nvPr>
+            <p:ph idx="1"/>
+          </p:nvPr>
+        </p:nvSpPr>
+        <p:spPr/>
+        <p:txBody>
+          <a:bodyPr/>
+          <a:lstStyle/>
+          <a:p>
+            <a:endParaRPr lang="zh-TW" altLang="en-US"/>
+          </a:p>
+        </p:txBody>
+      </p:sp>
+      <p:sp>
+        <p:nvSpPr>
+          <p:cNvPr id="4" name="矩形 3"/>
+          <p:cNvSpPr/>
+          <p:nvPr/>
+        </p:nvSpPr>
+        <p:spPr>
+          <a:xfrm>
+            <a:off x="-1524000" y="0"/>
+            <a:ext cx="12192000" cy="6858000"/>
+          </a:xfrm>
+          <a:prstGeom prst="rect">
+            <a:avLst/>
+          </a:prstGeom>
+          <a:solidFill>
+            <a:schemeClr val="tx1"/>
+          </a:solidFill>
+          <a:ln>
+            <a:noFill/>
+          </a:ln>
+        </p:spPr>
+        <p:style>
+          <a:lnRef idx="2">
+            <a:schemeClr val="accent1">
+              <a:shade val="50000"/>
+            </a:schemeClr>
+          </a:lnRef>
+          <a:fillRef idx="1">
+            <a:schemeClr val="accent1"/>
+          </a:fillRef>
+          <a:effectRef idx="0">
+            <a:schemeClr val="accent1"/>
+          </a:effectRef>
+          <a:fontRef idx="minor">
+            <a:schemeClr val="lt1"/>
+          </a:fontRef>
+        </p:style>
+        <p:txBody>
+          <a:bodyPr rot="0" spcFirstLastPara="0" vertOverflow="overflow" horzOverflow="overflow" vert="horz" wrap="square" lIns="91440" tIns="45720" rIns="91440" bIns="45720" numCol="1" spcCol="0" rtlCol="0" fromWordArt="0" anchor="ctr" anchorCtr="0" forceAA="0" compatLnSpc="1">
+            <a:prstTxWarp prst="textNoShape">
+              <a:avLst/>
+            </a:prstTxWarp>
+            <a:noAutofit/>
+          </a:bodyPr>
+          <a:lstStyle/>
+          <a:p>
+            <a:pPr algn="ctr"/>
+            <a:endParaRPr lang="zh-TW" altLang="en-US"/>
+          </a:p>
+        </p:txBody>
+      </p:sp>
+      <p:sp>
+        <p:nvSpPr>
+          <p:cNvPr id="5" name="矩形 4"/>
+          <p:cNvSpPr/>
+          <p:nvPr/>
+        </p:nvSpPr>
+        <p:spPr>
+          <a:xfrm>
+            <a:off x="476033" y="2528474"/>
+            <a:ext cx="9094156" cy="3139321"/>
+          </a:xfrm>
+          <a:prstGeom prst="rect">
+            <a:avLst/>
+          </a:prstGeom>
+        </p:spPr>
+        <p:txBody>
+          <a:bodyPr wrap="none">
+            <a:spAutoFit/>
+          </a:bodyPr>
+          <a:lstStyle/>
+          <a:p>
+            <a:r>
+              <a:rPr lang="en-US" altLang="zh-TW" sz="6600" b="1" dirty="0" smtClean="0">
+                <a:solidFill>
+                  <a:srgbClr val="FFFF00"/>
+                </a:solidFill>
+                <a:effectLst>
+                  <a:outerShdw blurRad="38100" dist="38100" dir="2700000" algn="tl">
+                    <a:srgbClr val="000000">
+                      <a:alpha val="43137"/>
+                    </a:srgbClr>
+                  </a:outerShdw>
+                </a:effectLst>
+              </a:rPr>
+              <a:t>Data Visualization</a:t>
+            </a:r>
+            <a:br>
+              <a:rPr lang="en-US" altLang="zh-TW" sz="6600" b="1" dirty="0" smtClean="0">
+                <a:solidFill>
+                  <a:srgbClr val="FFFF00"/>
+                </a:solidFill>
+                <a:effectLst>
+                  <a:outerShdw blurRad="38100" dist="38100" dir="2700000" algn="tl">
+                    <a:srgbClr val="000000">
+                      <a:alpha val="43137"/>
+                    </a:srgbClr>
+                  </a:outerShdw>
+                </a:effectLst>
+              </a:rPr>
+            </a:br>
+            <a:r>
+              <a:rPr lang="zh-TW" altLang="en-US" sz="6600" b="1" dirty="0" smtClean="0">
+                <a:solidFill>
+                  <a:srgbClr val="FFFF00"/>
+                </a:solidFill>
+                <a:effectLst>
+                  <a:outerShdw blurRad="38100" dist="38100" dir="2700000" algn="tl">
+                    <a:srgbClr val="000000">
+                      <a:alpha val="43137"/>
+                    </a:srgbClr>
+                  </a:outerShdw>
+                </a:effectLst>
+              </a:rPr>
+              <a:t>資料</a:t>
+            </a:r>
+            <a:r>
+              <a:rPr lang="zh-TW" altLang="en-US" sz="6600" b="1" dirty="0" smtClean="0">
+                <a:solidFill>
+                  <a:srgbClr val="FFFF00"/>
+                </a:solidFill>
+                <a:effectLst>
+                  <a:outerShdw blurRad="38100" dist="38100" dir="2700000" algn="tl">
+                    <a:srgbClr val="000000">
+                      <a:alpha val="43137"/>
+                    </a:srgbClr>
+                  </a:outerShdw>
+                </a:effectLst>
+              </a:rPr>
+              <a:t>視覺化</a:t>
+            </a:r>
+            <a:r>
+              <a:rPr lang="zh-TW" altLang="en-US" sz="6600" b="1" dirty="0" smtClean="0">
+                <a:solidFill>
+                  <a:srgbClr val="FFFF00"/>
+                </a:solidFill>
+                <a:effectLst>
+                  <a:outerShdw blurRad="38100" dist="38100" dir="2700000" algn="tl">
+                    <a:srgbClr val="000000">
+                      <a:alpha val="43137"/>
+                    </a:srgbClr>
+                  </a:outerShdw>
+                </a:effectLst>
+              </a:rPr>
+              <a:t>的實戰練習</a:t>
+            </a:r>
+            <a:r>
+              <a:rPr lang="en-US" altLang="zh-TW" sz="6600" b="1" dirty="0" smtClean="0">
+                <a:solidFill>
+                  <a:srgbClr val="FFFF00"/>
+                </a:solidFill>
+                <a:effectLst>
+                  <a:outerShdw blurRad="38100" dist="38100" dir="2700000" algn="tl">
+                    <a:srgbClr val="000000">
+                      <a:alpha val="43137"/>
+                    </a:srgbClr>
+                  </a:outerShdw>
+                </a:effectLst>
+              </a:rPr>
+              <a:t>1</a:t>
+            </a:r>
+          </a:p>
+          <a:p>
+            <a:r>
+              <a:rPr lang="zh-TW" altLang="en-US" sz="6600" b="1" dirty="0" smtClean="0">
+                <a:solidFill>
+                  <a:srgbClr val="FFFF00"/>
+                </a:solidFill>
+                <a:effectLst>
+                  <a:outerShdw blurRad="38100" dist="38100" dir="2700000" algn="tl">
+                    <a:srgbClr val="000000">
+                      <a:alpha val="43137"/>
+                    </a:srgbClr>
+                  </a:outerShdw>
+                </a:effectLst>
+              </a:rPr>
+              <a:t>折線</a:t>
+            </a:r>
+            <a:r>
+              <a:rPr lang="zh-TW" altLang="en-US" sz="6600" b="1" dirty="0">
+                <a:solidFill>
+                  <a:srgbClr val="FFFF00"/>
+                </a:solidFill>
+                <a:effectLst>
+                  <a:outerShdw blurRad="38100" dist="38100" dir="2700000" algn="tl">
+                    <a:srgbClr val="000000">
+                      <a:alpha val="43137"/>
+                    </a:srgbClr>
+                  </a:outerShdw>
+                </a:effectLst>
+              </a:rPr>
+              <a:t>圖</a:t>
+            </a:r>
+            <a:endParaRPr lang="zh-TW" altLang="en-US" sz="6600" b="1" dirty="0">
+              <a:solidFill>
+                <a:schemeClr val="bg1"/>
+              </a:solidFill>
+              <a:effectLst>
+                <a:outerShdw blurRad="38100" dist="38100" dir="2700000" algn="tl">
+                  <a:srgbClr val="000000">
+                    <a:alpha val="43137"/>
+                  </a:srgbClr>
+                </a:outerShdw>
+              </a:effectLst>
+            </a:endParaRPr>
+          </a:p>
+        </p:txBody>
+      </p:sp>
+    </p:spTree>
+    <p:extLst>
+      <p:ext uri="{BB962C8B-B14F-4D97-AF65-F5344CB8AC3E}">
+        <p14:creationId xmlns:p14="http://schemas.microsoft.com/office/powerpoint/2010/main" val="629246954"/>
+      </p:ext>
+    </p:extLst>
+  </p:cSld>
+  <p:clrMapOvr>
+    <a:masterClrMapping/>
+  </p:clrMapOvr>
+</p:sld>
+</file>
+
+<file path=ppt/slides/slide40.xml><?xml version="1.0" encoding="utf-8"?>
 <p:sld xmlns:a="http://schemas.openxmlformats.org/drawingml/2006/main" xmlns:r="http://schemas.openxmlformats.org/officeDocument/2006/relationships" xmlns:p="http://schemas.openxmlformats.org/presentationml/2006/main">
   <p:cSld>
     <p:spTree>
@@ -15246,7 +16426,7 @@
 </p:sld>
 </file>
 
-<file path=ppt/slides/slide38.xml><?xml version="1.0" encoding="utf-8"?>
+<file path=ppt/slides/slide41.xml><?xml version="1.0" encoding="utf-8"?>
 <p:sld xmlns:a="http://schemas.openxmlformats.org/drawingml/2006/main" xmlns:r="http://schemas.openxmlformats.org/officeDocument/2006/relationships" xmlns:p="http://schemas.openxmlformats.org/presentationml/2006/main">
   <p:cSld>
     <p:spTree>
@@ -15439,282 +16619,6 @@
     <p:extLst>
       <p:ext uri="{BB962C8B-B14F-4D97-AF65-F5344CB8AC3E}">
         <p14:creationId xmlns:p14="http://schemas.microsoft.com/office/powerpoint/2010/main" val="2876636718"/>
-      </p:ext>
-    </p:extLst>
-  </p:cSld>
-  <p:clrMapOvr>
-    <a:masterClrMapping/>
-  </p:clrMapOvr>
-</p:sld>
-</file>
-
-<file path=ppt/slides/slide4.xml><?xml version="1.0" encoding="utf-8"?>
-<p:sld xmlns:a="http://schemas.openxmlformats.org/drawingml/2006/main" xmlns:r="http://schemas.openxmlformats.org/officeDocument/2006/relationships" xmlns:p="http://schemas.openxmlformats.org/presentationml/2006/main">
-  <p:cSld>
-    <p:spTree>
-      <p:nvGrpSpPr>
-        <p:cNvPr id="1" name=""/>
-        <p:cNvGrpSpPr/>
-        <p:nvPr/>
-      </p:nvGrpSpPr>
-      <p:grpSpPr>
-        <a:xfrm>
-          <a:off x="0" y="0"/>
-          <a:ext cx="0" cy="0"/>
-          <a:chOff x="0" y="0"/>
-          <a:chExt cx="0" cy="0"/>
-        </a:xfrm>
-      </p:grpSpPr>
-      <p:sp>
-        <p:nvSpPr>
-          <p:cNvPr id="2" name="標題 1"/>
-          <p:cNvSpPr>
-            <a:spLocks noGrp="1"/>
-          </p:cNvSpPr>
-          <p:nvPr>
-            <p:ph type="title"/>
-          </p:nvPr>
-        </p:nvSpPr>
-        <p:spPr/>
-        <p:txBody>
-          <a:bodyPr/>
-          <a:lstStyle/>
-          <a:p>
-            <a:endParaRPr lang="zh-TW" altLang="en-US"/>
-          </a:p>
-        </p:txBody>
-      </p:sp>
-      <p:sp>
-        <p:nvSpPr>
-          <p:cNvPr id="3" name="內容版面配置區 2"/>
-          <p:cNvSpPr>
-            <a:spLocks noGrp="1"/>
-          </p:cNvSpPr>
-          <p:nvPr>
-            <p:ph idx="1"/>
-          </p:nvPr>
-        </p:nvSpPr>
-        <p:spPr/>
-        <p:txBody>
-          <a:bodyPr/>
-          <a:lstStyle/>
-          <a:p>
-            <a:endParaRPr lang="zh-TW" altLang="en-US"/>
-          </a:p>
-        </p:txBody>
-      </p:sp>
-      <p:sp>
-        <p:nvSpPr>
-          <p:cNvPr id="4" name="矩形 3"/>
-          <p:cNvSpPr/>
-          <p:nvPr/>
-        </p:nvSpPr>
-        <p:spPr>
-          <a:xfrm>
-            <a:off x="-1524000" y="0"/>
-            <a:ext cx="12192000" cy="6858000"/>
-          </a:xfrm>
-          <a:prstGeom prst="rect">
-            <a:avLst/>
-          </a:prstGeom>
-          <a:solidFill>
-            <a:schemeClr val="tx1"/>
-          </a:solidFill>
-          <a:ln>
-            <a:noFill/>
-          </a:ln>
-        </p:spPr>
-        <p:style>
-          <a:lnRef idx="2">
-            <a:schemeClr val="accent1">
-              <a:shade val="50000"/>
-            </a:schemeClr>
-          </a:lnRef>
-          <a:fillRef idx="1">
-            <a:schemeClr val="accent1"/>
-          </a:fillRef>
-          <a:effectRef idx="0">
-            <a:schemeClr val="accent1"/>
-          </a:effectRef>
-          <a:fontRef idx="minor">
-            <a:schemeClr val="lt1"/>
-          </a:fontRef>
-        </p:style>
-        <p:txBody>
-          <a:bodyPr rot="0" spcFirstLastPara="0" vertOverflow="overflow" horzOverflow="overflow" vert="horz" wrap="square" lIns="91440" tIns="45720" rIns="91440" bIns="45720" numCol="1" spcCol="0" rtlCol="0" fromWordArt="0" anchor="ctr" anchorCtr="0" forceAA="0" compatLnSpc="1">
-            <a:prstTxWarp prst="textNoShape">
-              <a:avLst/>
-            </a:prstTxWarp>
-            <a:noAutofit/>
-          </a:bodyPr>
-          <a:lstStyle/>
-          <a:p>
-            <a:pPr algn="ctr"/>
-            <a:endParaRPr lang="zh-TW" altLang="en-US"/>
-          </a:p>
-        </p:txBody>
-      </p:sp>
-      <p:sp>
-        <p:nvSpPr>
-          <p:cNvPr id="5" name="矩形 4"/>
-          <p:cNvSpPr/>
-          <p:nvPr/>
-        </p:nvSpPr>
-        <p:spPr>
-          <a:xfrm>
-            <a:off x="476033" y="2528474"/>
-            <a:ext cx="9094156" cy="3139321"/>
-          </a:xfrm>
-          <a:prstGeom prst="rect">
-            <a:avLst/>
-          </a:prstGeom>
-        </p:spPr>
-        <p:txBody>
-          <a:bodyPr wrap="none">
-            <a:spAutoFit/>
-          </a:bodyPr>
-          <a:lstStyle/>
-          <a:p>
-            <a:r>
-              <a:rPr lang="en-US" altLang="zh-TW" sz="6600" b="1" dirty="0" smtClean="0">
-                <a:solidFill>
-                  <a:srgbClr val="FFFF00"/>
-                </a:solidFill>
-                <a:effectLst>
-                  <a:outerShdw blurRad="38100" dist="38100" dir="2700000" algn="tl">
-                    <a:srgbClr val="000000">
-                      <a:alpha val="43137"/>
-                    </a:srgbClr>
-                  </a:outerShdw>
-                </a:effectLst>
-              </a:rPr>
-              <a:t>Data Visualization</a:t>
-            </a:r>
-            <a:br>
-              <a:rPr lang="en-US" altLang="zh-TW" sz="6600" b="1" dirty="0" smtClean="0">
-                <a:solidFill>
-                  <a:srgbClr val="FFFF00"/>
-                </a:solidFill>
-                <a:effectLst>
-                  <a:outerShdw blurRad="38100" dist="38100" dir="2700000" algn="tl">
-                    <a:srgbClr val="000000">
-                      <a:alpha val="43137"/>
-                    </a:srgbClr>
-                  </a:outerShdw>
-                </a:effectLst>
-              </a:rPr>
-            </a:br>
-            <a:r>
-              <a:rPr lang="zh-TW" altLang="en-US" sz="6600" b="1" dirty="0" smtClean="0">
-                <a:solidFill>
-                  <a:srgbClr val="FFFF00"/>
-                </a:solidFill>
-                <a:effectLst>
-                  <a:outerShdw blurRad="38100" dist="38100" dir="2700000" algn="tl">
-                    <a:srgbClr val="000000">
-                      <a:alpha val="43137"/>
-                    </a:srgbClr>
-                  </a:outerShdw>
-                </a:effectLst>
-              </a:rPr>
-              <a:t>資料</a:t>
-            </a:r>
-            <a:r>
-              <a:rPr lang="zh-TW" altLang="en-US" sz="6600" b="1" dirty="0" smtClean="0">
-                <a:solidFill>
-                  <a:srgbClr val="FFFF00"/>
-                </a:solidFill>
-                <a:effectLst>
-                  <a:outerShdw blurRad="38100" dist="38100" dir="2700000" algn="tl">
-                    <a:srgbClr val="000000">
-                      <a:alpha val="43137"/>
-                    </a:srgbClr>
-                  </a:outerShdw>
-                </a:effectLst>
-              </a:rPr>
-              <a:t>視覺化</a:t>
-            </a:r>
-            <a:r>
-              <a:rPr lang="zh-TW" altLang="en-US" sz="6600" b="1" dirty="0" smtClean="0">
-                <a:solidFill>
-                  <a:srgbClr val="FFFF00"/>
-                </a:solidFill>
-                <a:effectLst>
-                  <a:outerShdw blurRad="38100" dist="38100" dir="2700000" algn="tl">
-                    <a:srgbClr val="000000">
-                      <a:alpha val="43137"/>
-                    </a:srgbClr>
-                  </a:outerShdw>
-                </a:effectLst>
-              </a:rPr>
-              <a:t>的實戰練習</a:t>
-            </a:r>
-            <a:r>
-              <a:rPr lang="en-US" altLang="zh-TW" sz="6600" b="1" dirty="0" smtClean="0">
-                <a:solidFill>
-                  <a:srgbClr val="FFFF00"/>
-                </a:solidFill>
-                <a:effectLst>
-                  <a:outerShdw blurRad="38100" dist="38100" dir="2700000" algn="tl">
-                    <a:srgbClr val="000000">
-                      <a:alpha val="43137"/>
-                    </a:srgbClr>
-                  </a:outerShdw>
-                </a:effectLst>
-              </a:rPr>
-              <a:t>1</a:t>
-            </a:r>
-          </a:p>
-          <a:p>
-            <a:r>
-              <a:rPr lang="zh-TW" altLang="en-US" sz="6600" b="1" dirty="0" smtClean="0">
-                <a:solidFill>
-                  <a:srgbClr val="FFFF00"/>
-                </a:solidFill>
-                <a:effectLst>
-                  <a:outerShdw blurRad="38100" dist="38100" dir="2700000" algn="tl">
-                    <a:srgbClr val="000000">
-                      <a:alpha val="43137"/>
-                    </a:srgbClr>
-                  </a:outerShdw>
-                </a:effectLst>
-              </a:rPr>
-              <a:t>折線</a:t>
-            </a:r>
-            <a:r>
-              <a:rPr lang="zh-TW" altLang="en-US" sz="6600" b="1" dirty="0">
-                <a:solidFill>
-                  <a:srgbClr val="FFFF00"/>
-                </a:solidFill>
-                <a:effectLst>
-                  <a:outerShdw blurRad="38100" dist="38100" dir="2700000" algn="tl">
-                    <a:srgbClr val="000000">
-                      <a:alpha val="43137"/>
-                    </a:srgbClr>
-                  </a:outerShdw>
-                </a:effectLst>
-              </a:rPr>
-              <a:t>圖</a:t>
-            </a:r>
-            <a:endParaRPr lang="zh-TW" altLang="en-US" sz="6600" b="1" dirty="0">
-              <a:solidFill>
-                <a:schemeClr val="bg1"/>
-              </a:solidFill>
-              <a:effectLst>
-                <a:outerShdw blurRad="38100" dist="38100" dir="2700000" algn="tl">
-                  <a:srgbClr val="000000">
-                    <a:alpha val="43137"/>
-                  </a:srgbClr>
-                </a:outerShdw>
-              </a:effectLst>
-            </a:endParaRPr>
-          </a:p>
-        </p:txBody>
-      </p:sp>
-    </p:spTree>
-    <p:extLst>
-      <p:ext uri="{BB962C8B-B14F-4D97-AF65-F5344CB8AC3E}">
-        <p14:creationId xmlns:p14="http://schemas.microsoft.com/office/powerpoint/2010/main" val="629246954"/>
       </p:ext>
     </p:extLst>
   </p:cSld>
